--- a/static/Posters/Bugs Framework -- ITL Science Day 2023.pptx
+++ b/static/Posters/Bugs Framework -- ITL Science Day 2023.pptx
@@ -257,7 +257,7 @@
       </p15:sldGuideLst>
     </p:ext>
     <p:ext uri="GoogleSlidesCustomDataVersion2">
-      <go:slidesCustomData xmlns:go="http://customooxmlschemas.google.com/" xmlns:ahyp="http://schemas.microsoft.com/office/drawing/2018/hyperlinkcolor" xmlns:p15="http://schemas.microsoft.com/office/powerpoint/2012/main" xmlns:p14="http://schemas.microsoft.com/office/powerpoint/2010/main" xmlns:com="http://schemas.openxmlformats.org/drawingml/2006/compatibility" xmlns:pvml="urn:schemas-microsoft-com:office:powerpoint" xmlns:v="urn:schemas-microsoft-com:vml" xmlns:o="urn:schemas-microsoft-com:office:office" xmlns:dgm="http://schemas.openxmlformats.org/drawingml/2006/diagram" xmlns:c="http://schemas.openxmlformats.org/drawingml/2006/chart" xmlns:mv="urn:schemas-microsoft-com:mac:vml" xmlns:mc="http://schemas.openxmlformats.org/markup-compatibility/2006" xmlns="" r:id="rId7" roundtripDataSignature="AMtx7mjU/HAI5jW0+cS6zlKsAZAnwebEPw=="/>
+      <go:slidesCustomData xmlns="" xmlns:mc="http://schemas.openxmlformats.org/markup-compatibility/2006" xmlns:mv="urn:schemas-microsoft-com:mac:vml" xmlns:c="http://schemas.openxmlformats.org/drawingml/2006/chart" xmlns:dgm="http://schemas.openxmlformats.org/drawingml/2006/diagram" xmlns:o="urn:schemas-microsoft-com:office:office" xmlns:v="urn:schemas-microsoft-com:vml" xmlns:pvml="urn:schemas-microsoft-com:office:powerpoint" xmlns:com="http://schemas.openxmlformats.org/drawingml/2006/compatibility" xmlns:p14="http://schemas.microsoft.com/office/powerpoint/2010/main" xmlns:p15="http://schemas.microsoft.com/office/powerpoint/2012/main" xmlns:ahyp="http://schemas.microsoft.com/office/drawing/2018/hyperlinkcolor" xmlns:go="http://customooxmlschemas.google.com/" r:id="rId7" roundtripDataSignature="AMtx7mjU/HAI5jW0+cS6zlKsAZAnwebEPw=="/>
     </p:ext>
   </p:extLst>
 </p:presentation>
@@ -11998,10 +11998,10 @@
       </p:pic>
       <p:pic>
         <p:nvPicPr>
-          <p:cNvPr id="46" name="Graphic 45">
+          <p:cNvPr id="14" name="Graphic 13">
             <a:extLst>
               <a:ext uri="{FF2B5EF4-FFF2-40B4-BE49-F238E27FC236}">
-                <a16:creationId xmlns:a16="http://schemas.microsoft.com/office/drawing/2014/main" id="{387E6521-17F2-A65D-8D66-9FD02D903765}"/>
+                <a16:creationId xmlns:a16="http://schemas.microsoft.com/office/drawing/2014/main" id="{D72DF569-0815-D7FB-C6EC-4B71D970BFFA}"/>
               </a:ext>
             </a:extLst>
           </p:cNvPr>
@@ -12024,8 +12024,8 @@
         </p:blipFill>
         <p:spPr>
           <a:xfrm>
-            <a:off x="22680478" y="10911692"/>
-            <a:ext cx="19085719" cy="12568238"/>
+            <a:off x="22652491" y="10820230"/>
+            <a:ext cx="18785681" cy="12568238"/>
           </a:xfrm>
           <a:prstGeom prst="rect">
             <a:avLst/>

--- a/static/Posters/Bugs Framework -- ITL Science Day 2023.pptx
+++ b/static/Posters/Bugs Framework -- ITL Science Day 2023.pptx
@@ -257,7 +257,7 @@
       </p15:sldGuideLst>
     </p:ext>
     <p:ext uri="GoogleSlidesCustomDataVersion2">
-      <go:slidesCustomData xmlns="" xmlns:mc="http://schemas.openxmlformats.org/markup-compatibility/2006" xmlns:mv="urn:schemas-microsoft-com:mac:vml" xmlns:c="http://schemas.openxmlformats.org/drawingml/2006/chart" xmlns:dgm="http://schemas.openxmlformats.org/drawingml/2006/diagram" xmlns:o="urn:schemas-microsoft-com:office:office" xmlns:v="urn:schemas-microsoft-com:vml" xmlns:pvml="urn:schemas-microsoft-com:office:powerpoint" xmlns:com="http://schemas.openxmlformats.org/drawingml/2006/compatibility" xmlns:p14="http://schemas.microsoft.com/office/powerpoint/2010/main" xmlns:p15="http://schemas.microsoft.com/office/powerpoint/2012/main" xmlns:ahyp="http://schemas.microsoft.com/office/drawing/2018/hyperlinkcolor" xmlns:go="http://customooxmlschemas.google.com/" r:id="rId7" roundtripDataSignature="AMtx7mjU/HAI5jW0+cS6zlKsAZAnwebEPw=="/>
+      <go:slidesCustomData xmlns:go="http://customooxmlschemas.google.com/" xmlns:ahyp="http://schemas.microsoft.com/office/drawing/2018/hyperlinkcolor" xmlns:p15="http://schemas.microsoft.com/office/powerpoint/2012/main" xmlns:p14="http://schemas.microsoft.com/office/powerpoint/2010/main" xmlns:com="http://schemas.openxmlformats.org/drawingml/2006/compatibility" xmlns:pvml="urn:schemas-microsoft-com:office:powerpoint" xmlns:v="urn:schemas-microsoft-com:vml" xmlns:o="urn:schemas-microsoft-com:office:office" xmlns:dgm="http://schemas.openxmlformats.org/drawingml/2006/diagram" xmlns:c="http://schemas.openxmlformats.org/drawingml/2006/chart" xmlns:mv="urn:schemas-microsoft-com:mac:vml" xmlns:mc="http://schemas.openxmlformats.org/markup-compatibility/2006" xmlns="" r:id="rId7" roundtripDataSignature="AMtx7mjU/HAI5jW0+cS6zlKsAZAnwebEPw=="/>
     </p:ext>
   </p:extLst>
 </p:presentation>
@@ -10813,7 +10813,7 @@
                 <a:cs typeface="Calibri" panose="020F0502020204030204" pitchFamily="34" charset="0"/>
                 <a:sym typeface="Calibri"/>
               </a:rPr>
-              <a:t>Exploitable_Error</a:t>
+              <a:t>ExploitableError</a:t>
             </a:r>
             <a:endParaRPr lang="en-US" sz="3000" dirty="0">
               <a:solidFill>

--- a/static/Posters/Bugs Framework -- ITL Science Day 2023.pptx
+++ b/static/Posters/Bugs Framework -- ITL Science Day 2023.pptx
@@ -257,7 +257,7 @@
       </p15:sldGuideLst>
     </p:ext>
     <p:ext uri="GoogleSlidesCustomDataVersion2">
-      <go:slidesCustomData xmlns:go="http://customooxmlschemas.google.com/" xmlns:ahyp="http://schemas.microsoft.com/office/drawing/2018/hyperlinkcolor" xmlns:p15="http://schemas.microsoft.com/office/powerpoint/2012/main" xmlns:p14="http://schemas.microsoft.com/office/powerpoint/2010/main" xmlns:com="http://schemas.openxmlformats.org/drawingml/2006/compatibility" xmlns:pvml="urn:schemas-microsoft-com:office:powerpoint" xmlns:v="urn:schemas-microsoft-com:vml" xmlns:o="urn:schemas-microsoft-com:office:office" xmlns:dgm="http://schemas.openxmlformats.org/drawingml/2006/diagram" xmlns:c="http://schemas.openxmlformats.org/drawingml/2006/chart" xmlns:mv="urn:schemas-microsoft-com:mac:vml" xmlns:mc="http://schemas.openxmlformats.org/markup-compatibility/2006" xmlns="" r:id="rId7" roundtripDataSignature="AMtx7mjU/HAI5jW0+cS6zlKsAZAnwebEPw=="/>
+      <go:slidesCustomData xmlns="" xmlns:mc="http://schemas.openxmlformats.org/markup-compatibility/2006" xmlns:mv="urn:schemas-microsoft-com:mac:vml" xmlns:c="http://schemas.openxmlformats.org/drawingml/2006/chart" xmlns:dgm="http://schemas.openxmlformats.org/drawingml/2006/diagram" xmlns:o="urn:schemas-microsoft-com:office:office" xmlns:v="urn:schemas-microsoft-com:vml" xmlns:pvml="urn:schemas-microsoft-com:office:powerpoint" xmlns:com="http://schemas.openxmlformats.org/drawingml/2006/compatibility" xmlns:p14="http://schemas.microsoft.com/office/powerpoint/2010/main" xmlns:p15="http://schemas.microsoft.com/office/powerpoint/2012/main" xmlns:ahyp="http://schemas.microsoft.com/office/drawing/2018/hyperlinkcolor" xmlns:go="http://customooxmlschemas.google.com/" r:id="rId7" roundtripDataSignature="AMtx7mjU/HAI5jW0+cS6zlKsAZAnwebEPw=="/>
     </p:ext>
   </p:extLst>
 </p:presentation>
@@ -11962,10 +11962,10 @@
       </p:sp>
       <p:pic>
         <p:nvPicPr>
-          <p:cNvPr id="5" name="Graphic 4">
+          <p:cNvPr id="14" name="Graphic 13">
             <a:extLst>
               <a:ext uri="{FF2B5EF4-FFF2-40B4-BE49-F238E27FC236}">
-                <a16:creationId xmlns:a16="http://schemas.microsoft.com/office/drawing/2014/main" id="{780908A7-4F04-54B7-C484-46B604DFDCB7}"/>
+                <a16:creationId xmlns:a16="http://schemas.microsoft.com/office/drawing/2014/main" id="{D72DF569-0815-D7FB-C6EC-4B71D970BFFA}"/>
               </a:ext>
             </a:extLst>
           </p:cNvPr>
@@ -11988,8 +11988,8 @@
         </p:blipFill>
         <p:spPr>
           <a:xfrm>
-            <a:off x="1221113" y="33709184"/>
-            <a:ext cx="9957911" cy="8300561"/>
+            <a:off x="22652491" y="10820230"/>
+            <a:ext cx="18785681" cy="12568238"/>
           </a:xfrm>
           <a:prstGeom prst="rect">
             <a:avLst/>
@@ -11998,10 +11998,10 @@
       </p:pic>
       <p:pic>
         <p:nvPicPr>
-          <p:cNvPr id="14" name="Graphic 13">
+          <p:cNvPr id="3" name="Graphic 2">
             <a:extLst>
               <a:ext uri="{FF2B5EF4-FFF2-40B4-BE49-F238E27FC236}">
-                <a16:creationId xmlns:a16="http://schemas.microsoft.com/office/drawing/2014/main" id="{D72DF569-0815-D7FB-C6EC-4B71D970BFFA}"/>
+                <a16:creationId xmlns:a16="http://schemas.microsoft.com/office/drawing/2014/main" id="{72D6CB27-D054-4FA7-8F58-B67F7A48F03D}"/>
               </a:ext>
             </a:extLst>
           </p:cNvPr>
@@ -12024,8 +12024,8 @@
         </p:blipFill>
         <p:spPr>
           <a:xfrm>
-            <a:off x="22652491" y="10820230"/>
-            <a:ext cx="18785681" cy="12568238"/>
+            <a:off x="1112363" y="33989645"/>
+            <a:ext cx="10676096" cy="7734300"/>
           </a:xfrm>
           <a:prstGeom prst="rect">
             <a:avLst/>
